--- a/workshop_slides.pptx
+++ b/workshop_slides.pptx
@@ -26,6 +26,7 @@
     <p:sldId id="274" r:id="rId20"/>
     <p:sldId id="275" r:id="rId21"/>
     <p:sldId id="276" r:id="rId22"/>
+    <p:sldId id="277" r:id="rId23"/>
   </p:sldIdLst>
   <p:sldSz cx="12192000" cy="6858000"/>
   <p:notesSz cx="6858000" cy="9144000"/>
@@ -9427,12 +9428,14 @@
           </a:xfrm>
         </p:spPr>
         <p:txBody>
-          <a:bodyPr/>
-          <a:lstStyle/>
-          <a:p>
-            <a:r>
-              <a:rPr lang="en-US" dirty="0"/>
-              <a:t>Lets Add Structured Output</a:t>
+          <a:bodyPr>
+            <a:normAutofit/>
+          </a:bodyPr>
+          <a:lstStyle/>
+          <a:p>
+            <a:r>
+              <a:rPr lang="en-US" dirty="0"/>
+              <a:t>Let’s Add Structured Output</a:t>
             </a:r>
           </a:p>
         </p:txBody>
@@ -9476,6 +9479,151 @@
     <p:extLst>
       <p:ext uri="{BB962C8B-B14F-4D97-AF65-F5344CB8AC3E}">
         <p14:creationId xmlns:p14="http://schemas.microsoft.com/office/powerpoint/2010/main" val="1819017534"/>
+      </p:ext>
+    </p:extLst>
+  </p:cSld>
+  <p:clrMapOvr>
+    <a:masterClrMapping/>
+  </p:clrMapOvr>
+</p:sld>
+</file>
+
+<file path=ppt/slides/slide22.xml><?xml version="1.0" encoding="utf-8"?>
+<p:sld xmlns:a="http://schemas.openxmlformats.org/drawingml/2006/main" xmlns:r="http://schemas.openxmlformats.org/officeDocument/2006/relationships" xmlns:p="http://schemas.openxmlformats.org/presentationml/2006/main">
+  <p:cSld>
+    <p:spTree>
+      <p:nvGrpSpPr>
+        <p:cNvPr id="1" name="">
+          <a:extLst>
+            <a:ext uri="{FF2B5EF4-FFF2-40B4-BE49-F238E27FC236}">
+              <a16:creationId xmlns:a16="http://schemas.microsoft.com/office/drawing/2014/main" id="{BFE1214F-8B30-4980-9479-3DB246E7E9FF}"/>
+            </a:ext>
+          </a:extLst>
+        </p:cNvPr>
+        <p:cNvGrpSpPr/>
+        <p:nvPr/>
+      </p:nvGrpSpPr>
+      <p:grpSpPr>
+        <a:xfrm>
+          <a:off x="0" y="0"/>
+          <a:ext cx="0" cy="0"/>
+          <a:chOff x="0" y="0"/>
+          <a:chExt cx="0" cy="0"/>
+        </a:xfrm>
+      </p:grpSpPr>
+      <p:sp>
+        <p:nvSpPr>
+          <p:cNvPr id="2" name="Title 1">
+            <a:extLst>
+              <a:ext uri="{FF2B5EF4-FFF2-40B4-BE49-F238E27FC236}">
+                <a16:creationId xmlns:a16="http://schemas.microsoft.com/office/drawing/2014/main" id="{4D1F1792-FB9F-ACC4-634E-6853DDB0D839}"/>
+              </a:ext>
+            </a:extLst>
+          </p:cNvPr>
+          <p:cNvSpPr>
+            <a:spLocks noGrp="1"/>
+          </p:cNvSpPr>
+          <p:nvPr>
+            <p:ph type="title"/>
+          </p:nvPr>
+        </p:nvSpPr>
+        <p:spPr>
+          <a:xfrm>
+            <a:off x="2592925" y="624110"/>
+            <a:ext cx="8911687" cy="810054"/>
+          </a:xfrm>
+        </p:spPr>
+        <p:txBody>
+          <a:bodyPr>
+            <a:normAutofit/>
+          </a:bodyPr>
+          <a:lstStyle/>
+          <a:p>
+            <a:r>
+              <a:rPr lang="en-US" dirty="0"/>
+              <a:t>Putting things in LangGraph</a:t>
+            </a:r>
+          </a:p>
+        </p:txBody>
+      </p:sp>
+      <p:sp>
+        <p:nvSpPr>
+          <p:cNvPr id="7" name="TextBox 6">
+            <a:extLst>
+              <a:ext uri="{FF2B5EF4-FFF2-40B4-BE49-F238E27FC236}">
+                <a16:creationId xmlns:a16="http://schemas.microsoft.com/office/drawing/2014/main" id="{3E8BF197-474F-6DC5-675F-FBD1B08FC232}"/>
+              </a:ext>
+            </a:extLst>
+          </p:cNvPr>
+          <p:cNvSpPr txBox="1"/>
+          <p:nvPr/>
+        </p:nvSpPr>
+        <p:spPr>
+          <a:xfrm>
+            <a:off x="3041583" y="3251553"/>
+            <a:ext cx="6102416" cy="923330"/>
+          </a:xfrm>
+          <a:prstGeom prst="rect">
+            <a:avLst/>
+          </a:prstGeom>
+          <a:noFill/>
+        </p:spPr>
+        <p:txBody>
+          <a:bodyPr wrap="square">
+            <a:spAutoFit/>
+          </a:bodyPr>
+          <a:lstStyle/>
+          <a:p>
+            <a:r>
+              <a:rPr lang="en-US" b="1" dirty="0"/>
+              <a:t>Simplest Architecture</a:t>
+            </a:r>
+          </a:p>
+          <a:p>
+            <a:br>
+              <a:rPr lang="en-US" dirty="0"/>
+            </a:br>
+            <a:r>
+              <a:rPr lang="en-US" dirty="0"/>
+              <a:t>stock_agent_v2.py</a:t>
+            </a:r>
+          </a:p>
+        </p:txBody>
+      </p:sp>
+      <p:pic>
+        <p:nvPicPr>
+          <p:cNvPr id="4" name="Picture 3" descr="A diagram of a stock recommender&#10;&#10;AI-generated content may be incorrect.">
+            <a:extLst>
+              <a:ext uri="{FF2B5EF4-FFF2-40B4-BE49-F238E27FC236}">
+                <a16:creationId xmlns:a16="http://schemas.microsoft.com/office/drawing/2014/main" id="{D1579997-722F-5EB9-8525-F509E37E721B}"/>
+              </a:ext>
+            </a:extLst>
+          </p:cNvPr>
+          <p:cNvPicPr>
+            <a:picLocks noChangeAspect="1"/>
+          </p:cNvPicPr>
+          <p:nvPr/>
+        </p:nvPicPr>
+        <p:blipFill>
+          <a:blip r:embed="rId2"/>
+          <a:stretch>
+            <a:fillRect/>
+          </a:stretch>
+        </p:blipFill>
+        <p:spPr>
+          <a:xfrm>
+            <a:off x="7482187" y="2110572"/>
+            <a:ext cx="2971629" cy="3659796"/>
+          </a:xfrm>
+          <a:prstGeom prst="rect">
+            <a:avLst/>
+          </a:prstGeom>
+        </p:spPr>
+      </p:pic>
+    </p:spTree>
+    <p:extLst>
+      <p:ext uri="{BB962C8B-B14F-4D97-AF65-F5344CB8AC3E}">
+        <p14:creationId xmlns:p14="http://schemas.microsoft.com/office/powerpoint/2010/main" val="2503374106"/>
       </p:ext>
     </p:extLst>
   </p:cSld>

--- a/workshop_slides.pptx
+++ b/workshop_slides.pptx
@@ -27,6 +27,8 @@
     <p:sldId id="275" r:id="rId21"/>
     <p:sldId id="276" r:id="rId22"/>
     <p:sldId id="277" r:id="rId23"/>
+    <p:sldId id="278" r:id="rId24"/>
+    <p:sldId id="279" r:id="rId25"/>
   </p:sldIdLst>
   <p:sldSz cx="12192000" cy="6858000"/>
   <p:notesSz cx="6858000" cy="9144000"/>
@@ -9624,6 +9626,278 @@
     <p:extLst>
       <p:ext uri="{BB962C8B-B14F-4D97-AF65-F5344CB8AC3E}">
         <p14:creationId xmlns:p14="http://schemas.microsoft.com/office/powerpoint/2010/main" val="2503374106"/>
+      </p:ext>
+    </p:extLst>
+  </p:cSld>
+  <p:clrMapOvr>
+    <a:masterClrMapping/>
+  </p:clrMapOvr>
+</p:sld>
+</file>
+
+<file path=ppt/slides/slide23.xml><?xml version="1.0" encoding="utf-8"?>
+<p:sld xmlns:a="http://schemas.openxmlformats.org/drawingml/2006/main" xmlns:r="http://schemas.openxmlformats.org/officeDocument/2006/relationships" xmlns:p="http://schemas.openxmlformats.org/presentationml/2006/main">
+  <p:cSld>
+    <p:spTree>
+      <p:nvGrpSpPr>
+        <p:cNvPr id="1" name="">
+          <a:extLst>
+            <a:ext uri="{FF2B5EF4-FFF2-40B4-BE49-F238E27FC236}">
+              <a16:creationId xmlns:a16="http://schemas.microsoft.com/office/drawing/2014/main" id="{9D04FFDF-7D68-8CC3-FEE1-DB9BA160BC39}"/>
+            </a:ext>
+          </a:extLst>
+        </p:cNvPr>
+        <p:cNvGrpSpPr/>
+        <p:nvPr/>
+      </p:nvGrpSpPr>
+      <p:grpSpPr>
+        <a:xfrm>
+          <a:off x="0" y="0"/>
+          <a:ext cx="0" cy="0"/>
+          <a:chOff x="0" y="0"/>
+          <a:chExt cx="0" cy="0"/>
+        </a:xfrm>
+      </p:grpSpPr>
+      <p:sp>
+        <p:nvSpPr>
+          <p:cNvPr id="2" name="Title 1">
+            <a:extLst>
+              <a:ext uri="{FF2B5EF4-FFF2-40B4-BE49-F238E27FC236}">
+                <a16:creationId xmlns:a16="http://schemas.microsoft.com/office/drawing/2014/main" id="{C2117F10-86AF-7657-60A0-462410231831}"/>
+              </a:ext>
+            </a:extLst>
+          </p:cNvPr>
+          <p:cNvSpPr>
+            <a:spLocks noGrp="1"/>
+          </p:cNvSpPr>
+          <p:nvPr>
+            <p:ph type="title"/>
+          </p:nvPr>
+        </p:nvSpPr>
+        <p:spPr>
+          <a:xfrm>
+            <a:off x="2592925" y="624110"/>
+            <a:ext cx="8911687" cy="810054"/>
+          </a:xfrm>
+        </p:spPr>
+        <p:txBody>
+          <a:bodyPr>
+            <a:normAutofit/>
+          </a:bodyPr>
+          <a:lstStyle/>
+          <a:p>
+            <a:r>
+              <a:rPr lang="en-US" dirty="0"/>
+              <a:t>Add Multiple Reasoning Steps</a:t>
+            </a:r>
+          </a:p>
+        </p:txBody>
+      </p:sp>
+      <p:sp>
+        <p:nvSpPr>
+          <p:cNvPr id="7" name="TextBox 6">
+            <a:extLst>
+              <a:ext uri="{FF2B5EF4-FFF2-40B4-BE49-F238E27FC236}">
+                <a16:creationId xmlns:a16="http://schemas.microsoft.com/office/drawing/2014/main" id="{AEB1ECD8-BED2-A8AB-0BE6-EDDEEF1A344F}"/>
+              </a:ext>
+            </a:extLst>
+          </p:cNvPr>
+          <p:cNvSpPr txBox="1"/>
+          <p:nvPr/>
+        </p:nvSpPr>
+        <p:spPr>
+          <a:xfrm>
+            <a:off x="3041583" y="3251553"/>
+            <a:ext cx="6102416" cy="369332"/>
+          </a:xfrm>
+          <a:prstGeom prst="rect">
+            <a:avLst/>
+          </a:prstGeom>
+          <a:noFill/>
+        </p:spPr>
+        <p:txBody>
+          <a:bodyPr wrap="square">
+            <a:spAutoFit/>
+          </a:bodyPr>
+          <a:lstStyle/>
+          <a:p>
+            <a:r>
+              <a:rPr lang="en-US" dirty="0"/>
+              <a:t>stock_agent_v3.py</a:t>
+            </a:r>
+          </a:p>
+        </p:txBody>
+      </p:sp>
+      <p:pic>
+        <p:nvPicPr>
+          <p:cNvPr id="5" name="Picture 4" descr="A diagram of a system&#10;&#10;AI-generated content may be incorrect.">
+            <a:extLst>
+              <a:ext uri="{FF2B5EF4-FFF2-40B4-BE49-F238E27FC236}">
+                <a16:creationId xmlns:a16="http://schemas.microsoft.com/office/drawing/2014/main" id="{89E98A54-A062-E84F-8107-2623B1A06173}"/>
+              </a:ext>
+            </a:extLst>
+          </p:cNvPr>
+          <p:cNvPicPr>
+            <a:picLocks noChangeAspect="1"/>
+          </p:cNvPicPr>
+          <p:nvPr/>
+        </p:nvPicPr>
+        <p:blipFill>
+          <a:blip r:embed="rId2"/>
+          <a:stretch>
+            <a:fillRect/>
+          </a:stretch>
+        </p:blipFill>
+        <p:spPr>
+          <a:xfrm>
+            <a:off x="9313734" y="159522"/>
+            <a:ext cx="1949349" cy="6538956"/>
+          </a:xfrm>
+          <a:prstGeom prst="rect">
+            <a:avLst/>
+          </a:prstGeom>
+        </p:spPr>
+      </p:pic>
+    </p:spTree>
+    <p:extLst>
+      <p:ext uri="{BB962C8B-B14F-4D97-AF65-F5344CB8AC3E}">
+        <p14:creationId xmlns:p14="http://schemas.microsoft.com/office/powerpoint/2010/main" val="1599802461"/>
+      </p:ext>
+    </p:extLst>
+  </p:cSld>
+  <p:clrMapOvr>
+    <a:masterClrMapping/>
+  </p:clrMapOvr>
+</p:sld>
+</file>
+
+<file path=ppt/slides/slide24.xml><?xml version="1.0" encoding="utf-8"?>
+<p:sld xmlns:a="http://schemas.openxmlformats.org/drawingml/2006/main" xmlns:r="http://schemas.openxmlformats.org/officeDocument/2006/relationships" xmlns:p="http://schemas.openxmlformats.org/presentationml/2006/main">
+  <p:cSld>
+    <p:spTree>
+      <p:nvGrpSpPr>
+        <p:cNvPr id="1" name="">
+          <a:extLst>
+            <a:ext uri="{FF2B5EF4-FFF2-40B4-BE49-F238E27FC236}">
+              <a16:creationId xmlns:a16="http://schemas.microsoft.com/office/drawing/2014/main" id="{4DA25AB2-4390-3D81-2868-9071C0F7A330}"/>
+            </a:ext>
+          </a:extLst>
+        </p:cNvPr>
+        <p:cNvGrpSpPr/>
+        <p:nvPr/>
+      </p:nvGrpSpPr>
+      <p:grpSpPr>
+        <a:xfrm>
+          <a:off x="0" y="0"/>
+          <a:ext cx="0" cy="0"/>
+          <a:chOff x="0" y="0"/>
+          <a:chExt cx="0" cy="0"/>
+        </a:xfrm>
+      </p:grpSpPr>
+      <p:sp>
+        <p:nvSpPr>
+          <p:cNvPr id="2" name="Title 1">
+            <a:extLst>
+              <a:ext uri="{FF2B5EF4-FFF2-40B4-BE49-F238E27FC236}">
+                <a16:creationId xmlns:a16="http://schemas.microsoft.com/office/drawing/2014/main" id="{65955480-AE66-5B69-9C2E-E0E651F0CA28}"/>
+              </a:ext>
+            </a:extLst>
+          </p:cNvPr>
+          <p:cNvSpPr>
+            <a:spLocks noGrp="1"/>
+          </p:cNvSpPr>
+          <p:nvPr>
+            <p:ph type="title"/>
+          </p:nvPr>
+        </p:nvSpPr>
+        <p:spPr>
+          <a:xfrm>
+            <a:off x="2592925" y="624110"/>
+            <a:ext cx="8911687" cy="810054"/>
+          </a:xfrm>
+        </p:spPr>
+        <p:txBody>
+          <a:bodyPr>
+            <a:normAutofit/>
+          </a:bodyPr>
+          <a:lstStyle/>
+          <a:p>
+            <a:r>
+              <a:rPr lang="en-US" dirty="0"/>
+              <a:t>Add Search Tool</a:t>
+            </a:r>
+          </a:p>
+        </p:txBody>
+      </p:sp>
+      <p:sp>
+        <p:nvSpPr>
+          <p:cNvPr id="7" name="TextBox 6">
+            <a:extLst>
+              <a:ext uri="{FF2B5EF4-FFF2-40B4-BE49-F238E27FC236}">
+                <a16:creationId xmlns:a16="http://schemas.microsoft.com/office/drawing/2014/main" id="{A14DE584-7A69-D348-E142-01C227E36A03}"/>
+              </a:ext>
+            </a:extLst>
+          </p:cNvPr>
+          <p:cNvSpPr txBox="1"/>
+          <p:nvPr/>
+        </p:nvSpPr>
+        <p:spPr>
+          <a:xfrm>
+            <a:off x="3041583" y="3251553"/>
+            <a:ext cx="6102416" cy="369332"/>
+          </a:xfrm>
+          <a:prstGeom prst="rect">
+            <a:avLst/>
+          </a:prstGeom>
+          <a:noFill/>
+        </p:spPr>
+        <p:txBody>
+          <a:bodyPr wrap="square">
+            <a:spAutoFit/>
+          </a:bodyPr>
+          <a:lstStyle/>
+          <a:p>
+            <a:r>
+              <a:rPr lang="en-US" dirty="0"/>
+              <a:t>stock_agent_v4.py</a:t>
+            </a:r>
+          </a:p>
+        </p:txBody>
+      </p:sp>
+      <p:pic>
+        <p:nvPicPr>
+          <p:cNvPr id="3" name="Picture 2">
+            <a:extLst>
+              <a:ext uri="{FF2B5EF4-FFF2-40B4-BE49-F238E27FC236}">
+                <a16:creationId xmlns:a16="http://schemas.microsoft.com/office/drawing/2014/main" id="{49AD133F-B7AD-DCD3-E758-B20AB2290CD8}"/>
+              </a:ext>
+            </a:extLst>
+          </p:cNvPr>
+          <p:cNvPicPr>
+            <a:picLocks noChangeAspect="1"/>
+          </p:cNvPicPr>
+          <p:nvPr/>
+        </p:nvPicPr>
+        <p:blipFill>
+          <a:blip r:embed="rId2"/>
+          <a:stretch>
+            <a:fillRect/>
+          </a:stretch>
+        </p:blipFill>
+        <p:spPr>
+          <a:xfrm>
+            <a:off x="7310909" y="402768"/>
+            <a:ext cx="1697167" cy="6289503"/>
+          </a:xfrm>
+          <a:prstGeom prst="rect">
+            <a:avLst/>
+          </a:prstGeom>
+        </p:spPr>
+      </p:pic>
+    </p:spTree>
+    <p:extLst>
+      <p:ext uri="{BB962C8B-B14F-4D97-AF65-F5344CB8AC3E}">
+        <p14:creationId xmlns:p14="http://schemas.microsoft.com/office/powerpoint/2010/main" val="4167373770"/>
       </p:ext>
     </p:extLst>
   </p:cSld>

--- a/workshop_slides.pptx
+++ b/workshop_slides.pptx
@@ -29,6 +29,7 @@
     <p:sldId id="277" r:id="rId23"/>
     <p:sldId id="278" r:id="rId24"/>
     <p:sldId id="279" r:id="rId25"/>
+    <p:sldId id="280" r:id="rId26"/>
   </p:sldIdLst>
   <p:sldSz cx="12192000" cy="6858000"/>
   <p:notesSz cx="6858000" cy="9144000"/>
@@ -9898,6 +9899,142 @@
     <p:extLst>
       <p:ext uri="{BB962C8B-B14F-4D97-AF65-F5344CB8AC3E}">
         <p14:creationId xmlns:p14="http://schemas.microsoft.com/office/powerpoint/2010/main" val="4167373770"/>
+      </p:ext>
+    </p:extLst>
+  </p:cSld>
+  <p:clrMapOvr>
+    <a:masterClrMapping/>
+  </p:clrMapOvr>
+</p:sld>
+</file>
+
+<file path=ppt/slides/slide25.xml><?xml version="1.0" encoding="utf-8"?>
+<p:sld xmlns:a="http://schemas.openxmlformats.org/drawingml/2006/main" xmlns:r="http://schemas.openxmlformats.org/officeDocument/2006/relationships" xmlns:p="http://schemas.openxmlformats.org/presentationml/2006/main">
+  <p:cSld>
+    <p:spTree>
+      <p:nvGrpSpPr>
+        <p:cNvPr id="1" name="">
+          <a:extLst>
+            <a:ext uri="{FF2B5EF4-FFF2-40B4-BE49-F238E27FC236}">
+              <a16:creationId xmlns:a16="http://schemas.microsoft.com/office/drawing/2014/main" id="{8B4481A3-E73E-C840-C35F-EA3E5E2F81CB}"/>
+            </a:ext>
+          </a:extLst>
+        </p:cNvPr>
+        <p:cNvGrpSpPr/>
+        <p:nvPr/>
+      </p:nvGrpSpPr>
+      <p:grpSpPr>
+        <a:xfrm>
+          <a:off x="0" y="0"/>
+          <a:ext cx="0" cy="0"/>
+          <a:chOff x="0" y="0"/>
+          <a:chExt cx="0" cy="0"/>
+        </a:xfrm>
+      </p:grpSpPr>
+      <p:sp>
+        <p:nvSpPr>
+          <p:cNvPr id="2" name="Title 1">
+            <a:extLst>
+              <a:ext uri="{FF2B5EF4-FFF2-40B4-BE49-F238E27FC236}">
+                <a16:creationId xmlns:a16="http://schemas.microsoft.com/office/drawing/2014/main" id="{ED58BB84-360F-469A-725A-86ACB43C1EA0}"/>
+              </a:ext>
+            </a:extLst>
+          </p:cNvPr>
+          <p:cNvSpPr>
+            <a:spLocks noGrp="1"/>
+          </p:cNvSpPr>
+          <p:nvPr>
+            <p:ph type="title"/>
+          </p:nvPr>
+        </p:nvSpPr>
+        <p:spPr>
+          <a:xfrm>
+            <a:off x="2592925" y="624110"/>
+            <a:ext cx="8911687" cy="810054"/>
+          </a:xfrm>
+        </p:spPr>
+        <p:txBody>
+          <a:bodyPr>
+            <a:normAutofit/>
+          </a:bodyPr>
+          <a:lstStyle/>
+          <a:p>
+            <a:r>
+              <a:rPr lang="en-US" dirty="0"/>
+              <a:t>Add Human In the Loop</a:t>
+            </a:r>
+          </a:p>
+        </p:txBody>
+      </p:sp>
+      <p:sp>
+        <p:nvSpPr>
+          <p:cNvPr id="7" name="TextBox 6">
+            <a:extLst>
+              <a:ext uri="{FF2B5EF4-FFF2-40B4-BE49-F238E27FC236}">
+                <a16:creationId xmlns:a16="http://schemas.microsoft.com/office/drawing/2014/main" id="{8E8ED1A7-52B2-E264-A04E-D0B08BA5A6F5}"/>
+              </a:ext>
+            </a:extLst>
+          </p:cNvPr>
+          <p:cNvSpPr txBox="1"/>
+          <p:nvPr/>
+        </p:nvSpPr>
+        <p:spPr>
+          <a:xfrm>
+            <a:off x="3041583" y="3251553"/>
+            <a:ext cx="6102416" cy="369332"/>
+          </a:xfrm>
+          <a:prstGeom prst="rect">
+            <a:avLst/>
+          </a:prstGeom>
+          <a:noFill/>
+        </p:spPr>
+        <p:txBody>
+          <a:bodyPr wrap="square">
+            <a:spAutoFit/>
+          </a:bodyPr>
+          <a:lstStyle/>
+          <a:p>
+            <a:r>
+              <a:rPr lang="en-US" dirty="0"/>
+              <a:t>stock_agent_v5.py</a:t>
+            </a:r>
+          </a:p>
+        </p:txBody>
+      </p:sp>
+      <p:pic>
+        <p:nvPicPr>
+          <p:cNvPr id="4" name="Picture 3">
+            <a:extLst>
+              <a:ext uri="{FF2B5EF4-FFF2-40B4-BE49-F238E27FC236}">
+                <a16:creationId xmlns:a16="http://schemas.microsoft.com/office/drawing/2014/main" id="{3D5ECB0F-026E-8DC7-130F-9887B25B139D}"/>
+              </a:ext>
+            </a:extLst>
+          </p:cNvPr>
+          <p:cNvPicPr>
+            <a:picLocks noChangeAspect="1"/>
+          </p:cNvPicPr>
+          <p:nvPr/>
+        </p:nvPicPr>
+        <p:blipFill>
+          <a:blip r:embed="rId2"/>
+          <a:stretch>
+            <a:fillRect/>
+          </a:stretch>
+        </p:blipFill>
+        <p:spPr>
+          <a:xfrm>
+            <a:off x="8263239" y="85522"/>
+            <a:ext cx="2870200" cy="6686955"/>
+          </a:xfrm>
+          <a:prstGeom prst="rect">
+            <a:avLst/>
+          </a:prstGeom>
+        </p:spPr>
+      </p:pic>
+    </p:spTree>
+    <p:extLst>
+      <p:ext uri="{BB962C8B-B14F-4D97-AF65-F5344CB8AC3E}">
+        <p14:creationId xmlns:p14="http://schemas.microsoft.com/office/powerpoint/2010/main" val="1745898879"/>
       </p:ext>
     </p:extLst>
   </p:cSld>
